--- a/slides/Programming05_array.pptx
+++ b/slides/Programming05_array.pptx
@@ -7883,13 +7883,11 @@
             </a:r>
           </a:p>
           <a:p>
-            <a:pPr lvl="1">
+            <a:pPr lvl="2">
               <a:buClr>
                 <a:schemeClr val="tx2"/>
               </a:buClr>
               <a:buSzPct val="75000"/>
-              <a:buFont typeface="Wingdings" panose="05000000000000000000" pitchFamily="2" charset="2"/>
-              <a:buNone/>
             </a:pPr>
             <a:r>
               <a:rPr kumimoji="1" lang="en-US" altLang="zh-CN" sz="2800" dirty="0">
@@ -7925,13 +7923,11 @@
             </a:r>
           </a:p>
           <a:p>
-            <a:pPr lvl="1">
+            <a:pPr lvl="2">
               <a:buClr>
                 <a:schemeClr val="tx2"/>
               </a:buClr>
               <a:buSzPct val="75000"/>
-              <a:buFont typeface="Wingdings" panose="05000000000000000000" pitchFamily="2" charset="2"/>
-              <a:buNone/>
             </a:pPr>
             <a:r>
               <a:rPr kumimoji="1" lang="en-US" altLang="zh-CN" sz="2800" dirty="0">
@@ -7965,13 +7961,11 @@
             </a:r>
           </a:p>
           <a:p>
-            <a:pPr lvl="1">
+            <a:pPr lvl="2">
               <a:buClr>
                 <a:schemeClr val="tx2"/>
               </a:buClr>
               <a:buSzPct val="75000"/>
-              <a:buFont typeface="Wingdings" panose="05000000000000000000" pitchFamily="2" charset="2"/>
-              <a:buNone/>
             </a:pPr>
             <a:r>
               <a:rPr kumimoji="1" lang="en-US" altLang="zh-CN" sz="2800" dirty="0">
@@ -8005,13 +7999,11 @@
             </a:r>
           </a:p>
           <a:p>
-            <a:pPr lvl="1">
+            <a:pPr lvl="2">
               <a:buClr>
                 <a:schemeClr val="tx2"/>
               </a:buClr>
               <a:buSzPct val="75000"/>
-              <a:buFont typeface="Wingdings" panose="05000000000000000000" pitchFamily="2" charset="2"/>
-              <a:buNone/>
             </a:pPr>
             <a:r>
               <a:rPr kumimoji="1" lang="en-US" altLang="zh-CN" sz="2800" dirty="0">
@@ -8045,13 +8037,11 @@
             </a:r>
           </a:p>
           <a:p>
-            <a:pPr lvl="1">
+            <a:pPr lvl="2">
               <a:buClr>
                 <a:schemeClr val="tx2"/>
               </a:buClr>
               <a:buSzPct val="75000"/>
-              <a:buFont typeface="Wingdings" panose="05000000000000000000" pitchFamily="2" charset="2"/>
-              <a:buNone/>
             </a:pPr>
             <a:r>
               <a:rPr kumimoji="1" lang="en-US" altLang="zh-CN" sz="2800" dirty="0">
@@ -8085,13 +8075,11 @@
             </a:r>
           </a:p>
           <a:p>
-            <a:pPr lvl="1">
+            <a:pPr lvl="2">
               <a:buClr>
                 <a:schemeClr val="tx2"/>
               </a:buClr>
               <a:buSzPct val="75000"/>
-              <a:buFont typeface="Wingdings" panose="05000000000000000000" pitchFamily="2" charset="2"/>
-              <a:buNone/>
             </a:pPr>
             <a:r>
               <a:rPr kumimoji="1" lang="en-US" altLang="zh-CN" sz="2800" dirty="0">
@@ -19355,14 +19343,6 @@
 <file path=ppt/slides/slide30.xml><?xml version="1.0" encoding="utf-8"?>
 <p:sld xmlns:a="http://schemas.openxmlformats.org/drawingml/2006/main" xmlns:r="http://schemas.openxmlformats.org/officeDocument/2006/relationships" xmlns:p="http://schemas.openxmlformats.org/presentationml/2006/main">
   <p:cSld>
-    <p:bg>
-      <p:bgPr>
-        <a:solidFill>
-          <a:srgbClr val="4F8927"/>
-        </a:solidFill>
-        <a:effectLst/>
-      </p:bgPr>
-    </p:bg>
     <p:spTree>
       <p:nvGrpSpPr>
         <p:cNvPr id="1" name=""/>
@@ -19424,41 +19404,17 @@
         <p:spPr bwMode="auto">
           <a:xfrm>
             <a:off x="179388" y="115888"/>
-            <a:ext cx="3097212" cy="530225"/>
+            <a:ext cx="3097212" cy="535531"/>
           </a:xfrm>
           <a:prstGeom prst="rect">
             <a:avLst/>
           </a:prstGeom>
-          <a:solidFill>
-            <a:schemeClr val="tx1">
-              <a:alpha val="72000"/>
-            </a:schemeClr>
-          </a:solidFill>
+          <a:noFill/>
           <a:ln>
             <a:noFill/>
           </a:ln>
           <a:effectLst/>
-          <a:extLst>
-            <a:ext uri="{91240B29-F687-4F45-9708-019B960494DF}">
-              <a14:hiddenLine xmlns:a14="http://schemas.microsoft.com/office/drawing/2010/main" w="12700" cap="sq">
-                <a:solidFill>
-                  <a:schemeClr val="tx1"/>
-                </a:solidFill>
-                <a:miter lim="800000"/>
-                <a:headEnd/>
-                <a:tailEnd/>
-              </a14:hiddenLine>
-            </a:ext>
-            <a:ext uri="{AF507438-7753-43E0-B8FC-AC1667EBCBE1}">
-              <a14:hiddenEffects xmlns:a14="http://schemas.microsoft.com/office/drawing/2010/main">
-                <a:effectLst>
-                  <a:outerShdw dist="35921" dir="2700000" algn="ctr" rotWithShape="0">
-                    <a:schemeClr val="bg2"/>
-                  </a:outerShdw>
-                </a:effectLst>
-              </a14:hiddenEffects>
-            </a:ext>
-          </a:extLst>
+          <a:extLst/>
         </p:spPr>
         <p:txBody>
           <a:bodyPr>
@@ -19584,10 +19540,7 @@
               <a:buNone/>
             </a:pPr>
             <a:r>
-              <a:rPr kumimoji="1" lang="zh-CN" altLang="en-US" sz="3200" b="1">
-                <a:solidFill>
-                  <a:schemeClr val="bg2"/>
-                </a:solidFill>
+              <a:rPr kumimoji="1" lang="zh-CN" altLang="en-US" sz="3200" b="1" dirty="0">
                 <a:latin typeface="黑体" panose="02010609060101010101" pitchFamily="49" charset="-122"/>
                 <a:ea typeface="黑体" panose="02010609060101010101" pitchFamily="49" charset="-122"/>
               </a:rPr>
@@ -19608,7 +19561,13 @@
           <p:cNvGraphicFramePr>
             <a:graphicFrameLocks noChangeAspect="1"/>
           </p:cNvGraphicFramePr>
-          <p:nvPr/>
+          <p:nvPr>
+            <p:extLst>
+              <p:ext uri="{D42A27DB-BD31-4B8C-83A1-F6EECF244321}">
+                <p14:modId xmlns:p14="http://schemas.microsoft.com/office/powerpoint/2010/main" val="3777683935"/>
+              </p:ext>
+            </p:extLst>
+          </p:nvPr>
         </p:nvGraphicFramePr>
         <p:xfrm>
           <a:off x="533400" y="685800"/>
@@ -19618,7 +19577,7 @@
           <a:graphicData uri="http://schemas.openxmlformats.org/presentationml/2006/ole">
             <mc:AlternateContent xmlns:mc="http://schemas.openxmlformats.org/markup-compatibility/2006">
               <mc:Choice xmlns:v="urn:schemas-microsoft-com:vml" Requires="v">
-                <p:oleObj spid="_x0000_s19513" name="Picture" r:id="rId3" imgW="3800520" imgH="4076640" progId="Word.Picture.8">
+                <p:oleObj spid="_x0000_s19527" name="Picture" r:id="rId3" imgW="3800520" imgH="4076640" progId="Word.Picture.8">
                   <p:embed/>
                 </p:oleObj>
               </mc:Choice>
@@ -19640,13 +19599,7 @@
                       <p:nvPr/>
                     </p:nvPicPr>
                     <p:blipFill>
-                      <a:blip r:embed="rId4">
-                        <a:extLst>
-                          <a:ext uri="{28A0092B-C50C-407E-A947-70E740481C1C}">
-                            <a14:useLocalDpi xmlns:a14="http://schemas.microsoft.com/office/drawing/2010/main" val="0"/>
-                          </a:ext>
-                        </a:extLst>
-                      </a:blip>
+                      <a:blip r:embed="rId4"/>
                       <a:srcRect/>
                       <a:stretch>
                         <a:fillRect/>
@@ -19718,7 +19671,7 @@
         <p:spPr bwMode="auto">
           <a:xfrm>
             <a:off x="6965950" y="609600"/>
-            <a:ext cx="1644650" cy="5638800"/>
+            <a:ext cx="1997456" cy="5638800"/>
           </a:xfrm>
           <a:prstGeom prst="rect">
             <a:avLst/>
@@ -19879,7 +19832,7 @@
               <a:buNone/>
             </a:pPr>
             <a:r>
-              <a:rPr kumimoji="1" lang="zh-CN" altLang="en-US" sz="2800" b="1">
+              <a:rPr kumimoji="1" lang="zh-CN" altLang="en-US" sz="2800" b="1" dirty="0">
                 <a:effectLst>
                   <a:outerShdw blurRad="38100" dist="38100" dir="2700000" algn="tl">
                     <a:srgbClr val="010199"/>
@@ -19888,6 +19841,13 @@
               </a:rPr>
               <a:t>请同学来分析左边程序的结构</a:t>
             </a:r>
+            <a:endParaRPr kumimoji="1" lang="en-US" altLang="zh-CN" sz="2800" b="1" dirty="0">
+              <a:effectLst>
+                <a:outerShdw blurRad="38100" dist="38100" dir="2700000" algn="tl">
+                  <a:srgbClr val="010199"/>
+                </a:outerShdw>
+              </a:effectLst>
+            </a:endParaRPr>
           </a:p>
           <a:p>
             <a:pPr>
@@ -19901,28 +19861,8 @@
               <a:buFont typeface="Wingdings" panose="05000000000000000000" pitchFamily="2" charset="2"/>
               <a:buNone/>
             </a:pPr>
-            <a:endParaRPr kumimoji="1" lang="zh-CN" altLang="en-US" sz="2800" b="1">
-              <a:effectLst>
-                <a:outerShdw blurRad="38100" dist="38100" dir="2700000" algn="tl">
-                  <a:srgbClr val="010199"/>
-                </a:outerShdw>
-              </a:effectLst>
-            </a:endParaRPr>
-          </a:p>
-          <a:p>
-            <a:pPr>
-              <a:spcBef>
-                <a:spcPct val="20000"/>
-              </a:spcBef>
-              <a:buClr>
-                <a:schemeClr val="tx2"/>
-              </a:buClr>
-              <a:buSzPct val="75000"/>
-              <a:buFont typeface="Wingdings" panose="05000000000000000000" pitchFamily="2" charset="2"/>
-              <a:buNone/>
-            </a:pPr>
-            <a:r>
-              <a:rPr kumimoji="1" lang="zh-CN" altLang="en-US" sz="2800" b="1">
+            <a:r>
+              <a:rPr kumimoji="1" lang="zh-CN" altLang="en-US" sz="2800" b="1" dirty="0">
                 <a:effectLst>
                   <a:outerShdw blurRad="38100" dist="38100" dir="2700000" algn="tl">
                     <a:srgbClr val="010199"/>
@@ -19931,50 +19871,7 @@
               </a:rPr>
               <a:t>从而了解算法的设计思路</a:t>
             </a:r>
-          </a:p>
-          <a:p>
-            <a:pPr>
-              <a:spcBef>
-                <a:spcPct val="20000"/>
-              </a:spcBef>
-              <a:buClr>
-                <a:schemeClr val="tx2"/>
-              </a:buClr>
-              <a:buSzPct val="75000"/>
-              <a:buFont typeface="Wingdings" panose="05000000000000000000" pitchFamily="2" charset="2"/>
-              <a:buNone/>
-            </a:pPr>
-            <a:endParaRPr kumimoji="1" lang="zh-CN" altLang="en-US" sz="2800" b="1">
-              <a:effectLst>
-                <a:outerShdw blurRad="38100" dist="38100" dir="2700000" algn="tl">
-                  <a:srgbClr val="010199"/>
-                </a:outerShdw>
-              </a:effectLst>
-            </a:endParaRPr>
-          </a:p>
-          <a:p>
-            <a:pPr>
-              <a:spcBef>
-                <a:spcPct val="20000"/>
-              </a:spcBef>
-              <a:buClr>
-                <a:schemeClr val="tx2"/>
-              </a:buClr>
-              <a:buSzPct val="75000"/>
-              <a:buFont typeface="Wingdings" panose="05000000000000000000" pitchFamily="2" charset="2"/>
-              <a:buNone/>
-            </a:pPr>
-            <a:r>
-              <a:rPr kumimoji="1" lang="zh-CN" altLang="en-US" sz="2800" b="1">
-                <a:effectLst>
-                  <a:outerShdw blurRad="38100" dist="38100" dir="2700000" algn="tl">
-                    <a:srgbClr val="010199"/>
-                  </a:outerShdw>
-                </a:effectLst>
-              </a:rPr>
-              <a:t>为程序代码的实现创造条件</a:t>
-            </a:r>
-            <a:endParaRPr kumimoji="1" lang="zh-CN" altLang="en-US" sz="2800">
+            <a:endParaRPr kumimoji="1" lang="zh-CN" altLang="en-US" sz="2800" dirty="0">
               <a:effectLst>
                 <a:outerShdw blurRad="38100" dist="38100" dir="2700000" algn="tl">
                   <a:srgbClr val="010199"/>
@@ -27128,14 +27025,6 @@
 <file path=ppt/slides/slide4.xml><?xml version="1.0" encoding="utf-8"?>
 <p:sld xmlns:a="http://schemas.openxmlformats.org/drawingml/2006/main" xmlns:r="http://schemas.openxmlformats.org/officeDocument/2006/relationships" xmlns:p="http://schemas.openxmlformats.org/presentationml/2006/main">
   <p:cSld>
-    <p:bg>
-      <p:bgPr>
-        <a:solidFill>
-          <a:srgbClr val="4F8927"/>
-        </a:solidFill>
-        <a:effectLst/>
-      </p:bgPr>
-    </p:bg>
     <p:spTree>
       <p:nvGrpSpPr>
         <p:cNvPr id="1" name=""/>
@@ -27390,17 +27279,23 @@
           <p:cNvGraphicFramePr>
             <a:graphicFrameLocks noChangeAspect="1"/>
           </p:cNvGraphicFramePr>
-          <p:nvPr/>
+          <p:nvPr>
+            <p:extLst>
+              <p:ext uri="{D42A27DB-BD31-4B8C-83A1-F6EECF244321}">
+                <p14:modId xmlns:p14="http://schemas.microsoft.com/office/powerpoint/2010/main" val="3078173689"/>
+              </p:ext>
+            </p:extLst>
+          </p:nvPr>
         </p:nvGraphicFramePr>
         <p:xfrm>
-          <a:off x="1763713" y="300038"/>
+          <a:off x="1619672" y="300038"/>
           <a:ext cx="6648450" cy="6369050"/>
         </p:xfrm>
         <a:graphic>
           <a:graphicData uri="http://schemas.openxmlformats.org/presentationml/2006/ole">
             <mc:AlternateContent xmlns:mc="http://schemas.openxmlformats.org/markup-compatibility/2006">
               <mc:Choice xmlns:v="urn:schemas-microsoft-com:vml" Requires="v">
-                <p:oleObj spid="_x0000_s14393" name="Picture" r:id="rId3" imgW="3228840" imgH="3390840" progId="Word.Picture.8">
+                <p:oleObj spid="_x0000_s14407" name="Picture" r:id="rId3" imgW="3228840" imgH="3390840" progId="Word.Picture.8">
                   <p:embed/>
                 </p:oleObj>
               </mc:Choice>
@@ -27422,13 +27317,7 @@
                       <p:nvPr/>
                     </p:nvPicPr>
                     <p:blipFill>
-                      <a:blip r:embed="rId4">
-                        <a:extLst>
-                          <a:ext uri="{28A0092B-C50C-407E-A947-70E740481C1C}">
-                            <a14:useLocalDpi xmlns:a14="http://schemas.microsoft.com/office/drawing/2010/main" val="0"/>
-                          </a:ext>
-                        </a:extLst>
-                      </a:blip>
+                      <a:blip r:embed="rId4"/>
                       <a:srcRect/>
                       <a:stretch>
                         <a:fillRect/>
@@ -27436,7 +27325,7 @@
                     </p:blipFill>
                     <p:spPr bwMode="auto">
                       <a:xfrm>
-                        <a:off x="1763713" y="300038"/>
+                        <a:off x="1619672" y="300038"/>
                         <a:ext cx="6648450" cy="6369050"/>
                       </a:xfrm>
                       <a:prstGeom prst="rect">
@@ -28810,9 +28699,6 @@
             </a:pPr>
             <a:r>
               <a:rPr kumimoji="1" lang="zh-CN" altLang="en-US" sz="3200" b="1" dirty="0">
-                <a:solidFill>
-                  <a:schemeClr val="tx2"/>
-                </a:solidFill>
                 <a:effectLst>
                   <a:outerShdw blurRad="38100" dist="38100" dir="2700000" algn="tl">
                     <a:srgbClr val="FFFFFF"/>
@@ -31962,6 +31848,14 @@
 <file path=ppt/slides/slide5.xml><?xml version="1.0" encoding="utf-8"?>
 <p:sld xmlns:a="http://schemas.openxmlformats.org/drawingml/2006/main" xmlns:r="http://schemas.openxmlformats.org/officeDocument/2006/relationships" xmlns:p="http://schemas.openxmlformats.org/presentationml/2006/main">
   <p:cSld>
+    <p:bg>
+      <p:bgPr>
+        <a:solidFill>
+          <a:schemeClr val="bg1"/>
+        </a:solidFill>
+        <a:effectLst/>
+      </p:bgPr>
+    </p:bg>
     <p:spTree>
       <p:nvGrpSpPr>
         <p:cNvPr id="1" name=""/>
@@ -31976,6 +31870,232 @@
           <a:chExt cx="0" cy="0"/>
         </a:xfrm>
       </p:grpSpPr>
+      <p:sp useBgFill="1">
+        <p:nvSpPr>
+          <p:cNvPr id="15" name="Rectangle 8">
+            <a:extLst>
+              <a:ext uri="{FF2B5EF4-FFF2-40B4-BE49-F238E27FC236}">
+                <a16:creationId xmlns:a16="http://schemas.microsoft.com/office/drawing/2014/main" id="{9C9664EF-0D74-4781-B4B4-646A93B50BC2}"/>
+              </a:ext>
+              <a:ext uri="{C183D7F6-B498-43B3-948B-1728B52AA6E4}">
+                <adec:decorative xmlns:adec="http://schemas.microsoft.com/office/drawing/2017/decorative" val="1"/>
+              </a:ext>
+            </a:extLst>
+          </p:cNvPr>
+          <p:cNvSpPr>
+            <a:spLocks noGrp="1" noRot="1" noChangeAspect="1" noMove="1" noResize="1" noEditPoints="1" noAdjustHandles="1" noChangeArrowheads="1" noChangeShapeType="1" noTextEdit="1"/>
+          </p:cNvSpPr>
+          <p:nvPr>
+            <p:extLst>
+              <p:ext uri="{386F3935-93C4-4BCD-93E2-E3B085C9AB24}">
+                <p16:designElem xmlns:p16="http://schemas.microsoft.com/office/powerpoint/2015/main" val="1"/>
+              </p:ext>
+            </p:extLst>
+          </p:nvPr>
+        </p:nvSpPr>
+        <p:spPr>
+          <a:xfrm>
+            <a:off x="0" y="0"/>
+            <a:ext cx="9144000" cy="6858000"/>
+          </a:xfrm>
+          <a:prstGeom prst="rect">
+            <a:avLst/>
+          </a:prstGeom>
+          <a:ln>
+            <a:noFill/>
+          </a:ln>
+        </p:spPr>
+        <p:style>
+          <a:lnRef idx="2">
+            <a:schemeClr val="accent1">
+              <a:shade val="50000"/>
+            </a:schemeClr>
+          </a:lnRef>
+          <a:fillRef idx="1">
+            <a:schemeClr val="accent1"/>
+          </a:fillRef>
+          <a:effectRef idx="0">
+            <a:schemeClr val="accent1"/>
+          </a:effectRef>
+          <a:fontRef idx="minor">
+            <a:schemeClr val="lt1"/>
+          </a:fontRef>
+        </p:style>
+        <p:txBody>
+          <a:bodyPr rtlCol="0" anchor="ctr"/>
+          <a:lstStyle/>
+          <a:p>
+            <a:pPr algn="ctr"/>
+            <a:endParaRPr lang="en-US"/>
+          </a:p>
+        </p:txBody>
+      </p:sp>
+      <p:sp>
+        <p:nvSpPr>
+          <p:cNvPr id="16" name="Rectangle 10">
+            <a:extLst>
+              <a:ext uri="{FF2B5EF4-FFF2-40B4-BE49-F238E27FC236}">
+                <a16:creationId xmlns:a16="http://schemas.microsoft.com/office/drawing/2014/main" id="{854C0CC2-F056-47AD-A361-F33F5EE97696}"/>
+              </a:ext>
+              <a:ext uri="{C183D7F6-B498-43B3-948B-1728B52AA6E4}">
+                <adec:decorative xmlns:adec="http://schemas.microsoft.com/office/drawing/2017/decorative" val="1"/>
+              </a:ext>
+            </a:extLst>
+          </p:cNvPr>
+          <p:cNvSpPr>
+            <a:spLocks noGrp="1" noRot="1" noChangeAspect="1" noMove="1" noResize="1" noEditPoints="1" noAdjustHandles="1" noChangeArrowheads="1" noChangeShapeType="1" noTextEdit="1"/>
+          </p:cNvSpPr>
+          <p:nvPr>
+            <p:extLst>
+              <p:ext uri="{386F3935-93C4-4BCD-93E2-E3B085C9AB24}">
+                <p16:designElem xmlns:p16="http://schemas.microsoft.com/office/powerpoint/2015/main" val="1"/>
+              </p:ext>
+            </p:extLst>
+          </p:nvPr>
+        </p:nvSpPr>
+        <p:spPr>
+          <a:xfrm>
+            <a:off x="0" y="0"/>
+            <a:ext cx="9143999" cy="6857999"/>
+          </a:xfrm>
+          <a:prstGeom prst="rect">
+            <a:avLst/>
+          </a:prstGeom>
+          <a:blipFill dpi="0" rotWithShape="1">
+            <a:blip r:embed="rId2">
+              <a:alphaModFix amt="60000"/>
+              <a:lum bright="70000" contrast="-70000"/>
+              <a:extLst>
+                <a:ext uri="{BEBA8EAE-BF5A-486C-A8C5-ECC9F3942E4B}">
+                  <a14:imgProps xmlns:a14="http://schemas.microsoft.com/office/drawing/2010/main">
+                    <a14:imgLayer r:embed="rId3">
+                      <a14:imgEffect>
+                        <a14:sharpenSoften amount="61000"/>
+                      </a14:imgEffect>
+                    </a14:imgLayer>
+                  </a14:imgProps>
+                </a:ext>
+                <a:ext uri="{28A0092B-C50C-407E-A947-70E740481C1C}">
+                  <a14:useLocalDpi xmlns:a14="http://schemas.microsoft.com/office/drawing/2010/main" val="0"/>
+                </a:ext>
+              </a:extLst>
+            </a:blip>
+            <a:srcRect/>
+            <a:tile tx="0" ty="-704850" sx="92000" sy="89000" flip="xy" algn="ctr"/>
+          </a:blipFill>
+          <a:ln>
+            <a:noFill/>
+          </a:ln>
+        </p:spPr>
+        <p:style>
+          <a:lnRef idx="2">
+            <a:schemeClr val="accent1">
+              <a:shade val="50000"/>
+            </a:schemeClr>
+          </a:lnRef>
+          <a:fillRef idx="1">
+            <a:schemeClr val="accent1"/>
+          </a:fillRef>
+          <a:effectRef idx="0">
+            <a:schemeClr val="accent1"/>
+          </a:effectRef>
+          <a:fontRef idx="minor">
+            <a:schemeClr val="lt1"/>
+          </a:fontRef>
+        </p:style>
+      </p:sp>
+      <p:sp useBgFill="1">
+        <p:nvSpPr>
+          <p:cNvPr id="17" name="Rectangle 12">
+            <a:extLst>
+              <a:ext uri="{FF2B5EF4-FFF2-40B4-BE49-F238E27FC236}">
+                <a16:creationId xmlns:a16="http://schemas.microsoft.com/office/drawing/2014/main" id="{CD560C9F-7A8F-4FBA-BD3A-EB75B62E45D5}"/>
+              </a:ext>
+              <a:ext uri="{C183D7F6-B498-43B3-948B-1728B52AA6E4}">
+                <adec:decorative xmlns:adec="http://schemas.microsoft.com/office/drawing/2017/decorative" val="1"/>
+              </a:ext>
+            </a:extLst>
+          </p:cNvPr>
+          <p:cNvSpPr>
+            <a:spLocks noGrp="1" noRot="1" noChangeAspect="1" noMove="1" noResize="1" noEditPoints="1" noAdjustHandles="1" noChangeArrowheads="1" noChangeShapeType="1" noTextEdit="1"/>
+          </p:cNvSpPr>
+          <p:nvPr>
+            <p:extLst>
+              <p:ext uri="{386F3935-93C4-4BCD-93E2-E3B085C9AB24}">
+                <p16:designElem xmlns:p16="http://schemas.microsoft.com/office/powerpoint/2015/main" val="1"/>
+              </p:ext>
+            </p:extLst>
+          </p:nvPr>
+        </p:nvSpPr>
+        <p:spPr>
+          <a:xfrm>
+            <a:off x="357759" y="480060"/>
+            <a:ext cx="8428482" cy="5897880"/>
+          </a:xfrm>
+          <a:prstGeom prst="rect">
+            <a:avLst/>
+          </a:prstGeom>
+          <a:ln w="22225">
+            <a:solidFill>
+              <a:srgbClr val="FF3502"/>
+            </a:solidFill>
+          </a:ln>
+        </p:spPr>
+        <p:style>
+          <a:lnRef idx="2">
+            <a:schemeClr val="accent1">
+              <a:shade val="50000"/>
+            </a:schemeClr>
+          </a:lnRef>
+          <a:fillRef idx="1">
+            <a:schemeClr val="accent1"/>
+          </a:fillRef>
+          <a:effectRef idx="0">
+            <a:schemeClr val="accent1"/>
+          </a:effectRef>
+          <a:fontRef idx="minor">
+            <a:schemeClr val="lt1"/>
+          </a:fontRef>
+        </p:style>
+        <p:txBody>
+          <a:bodyPr rtlCol="0" anchor="ctr"/>
+          <a:lstStyle/>
+          <a:p>
+            <a:pPr algn="ctr"/>
+            <a:endParaRPr lang="en-US"/>
+          </a:p>
+        </p:txBody>
+      </p:sp>
+      <p:pic>
+        <p:nvPicPr>
+          <p:cNvPr id="2" name="Picture 1">
+            <a:extLst>
+              <a:ext uri="{FF2B5EF4-FFF2-40B4-BE49-F238E27FC236}">
+                <a16:creationId xmlns:a16="http://schemas.microsoft.com/office/drawing/2014/main" id="{D765D23B-5C51-42C1-BB7E-C2F2DCD0C8BE}"/>
+              </a:ext>
+            </a:extLst>
+          </p:cNvPr>
+          <p:cNvPicPr>
+            <a:picLocks noChangeAspect="1"/>
+          </p:cNvPicPr>
+          <p:nvPr/>
+        </p:nvPicPr>
+        <p:blipFill>
+          <a:blip r:embed="rId4"/>
+          <a:stretch>
+            <a:fillRect/>
+          </a:stretch>
+        </p:blipFill>
+        <p:spPr>
+          <a:xfrm>
+            <a:off x="603249" y="848133"/>
+            <a:ext cx="7933308" cy="5156650"/>
+          </a:xfrm>
+          <a:prstGeom prst="rect">
+            <a:avLst/>
+          </a:prstGeom>
+        </p:spPr>
+      </p:pic>
       <p:sp>
         <p:nvSpPr>
           <p:cNvPr id="4" name="Slide Number Placeholder 3">
@@ -31992,50 +32112,44 @@
             <p:ph type="sldNum" sz="quarter" idx="12"/>
           </p:nvPr>
         </p:nvSpPr>
-        <p:spPr/>
+        <p:spPr>
+          <a:xfrm>
+            <a:off x="8483346" y="6368646"/>
+            <a:ext cx="480060" cy="365125"/>
+          </a:xfrm>
+        </p:spPr>
         <p:txBody>
-          <a:bodyPr/>
+          <a:bodyPr>
+            <a:normAutofit/>
+          </a:bodyPr>
           <a:lstStyle/>
           <a:p>
+            <a:pPr>
+              <a:spcAft>
+                <a:spcPts val="600"/>
+              </a:spcAft>
+            </a:pPr>
             <a:fld id="{4EBA2D26-EDFC-42E5-B8C6-D39D6B077BF6}" type="slidenum">
-              <a:rPr lang="zh-CN" altLang="en-US" smtClean="0"/>
-              <a:pPr/>
+              <a:rPr lang="zh-CN" altLang="en-US">
+                <a:solidFill>
+                  <a:schemeClr val="tx2"/>
+                </a:solidFill>
+              </a:rPr>
+              <a:pPr>
+                <a:spcAft>
+                  <a:spcPts val="600"/>
+                </a:spcAft>
+              </a:pPr>
               <a:t>5</a:t>
             </a:fld>
-            <a:endParaRPr lang="en-US" altLang="zh-CN"/>
+            <a:endParaRPr lang="en-US" altLang="zh-CN">
+              <a:solidFill>
+                <a:schemeClr val="tx2"/>
+              </a:solidFill>
+            </a:endParaRPr>
           </a:p>
         </p:txBody>
       </p:sp>
-      <p:pic>
-        <p:nvPicPr>
-          <p:cNvPr id="6" name="Picture 5">
-            <a:extLst>
-              <a:ext uri="{FF2B5EF4-FFF2-40B4-BE49-F238E27FC236}">
-                <a16:creationId xmlns:a16="http://schemas.microsoft.com/office/drawing/2014/main" id="{AB94BE2F-0769-4A9C-A968-8A58838D1D50}"/>
-              </a:ext>
-            </a:extLst>
-          </p:cNvPr>
-          <p:cNvPicPr>
-            <a:picLocks noChangeAspect="1"/>
-          </p:cNvPicPr>
-          <p:nvPr/>
-        </p:nvPicPr>
-        <p:blipFill>
-          <a:blip r:embed="rId2"/>
-          <a:stretch>
-            <a:fillRect/>
-          </a:stretch>
-        </p:blipFill>
-        <p:spPr>
-          <a:xfrm>
-            <a:off x="954272" y="6038"/>
-            <a:ext cx="7174154" cy="6851962"/>
-          </a:xfrm>
-          <a:prstGeom prst="rect">
-            <a:avLst/>
-          </a:prstGeom>
-        </p:spPr>
-      </p:pic>
     </p:spTree>
     <p:extLst>
       <p:ext uri="{BB962C8B-B14F-4D97-AF65-F5344CB8AC3E}">
@@ -37557,7 +37671,7 @@
           <a:graphicData uri="http://schemas.openxmlformats.org/presentationml/2006/ole">
             <mc:AlternateContent xmlns:mc="http://schemas.openxmlformats.org/markup-compatibility/2006">
               <mc:Choice xmlns:v="urn:schemas-microsoft-com:vml" Requires="v">
-                <p:oleObj spid="_x0000_s20491" name="Picture" r:id="rId3" imgW="3614928" imgH="3038856" progId="Word.Picture.8">
+                <p:oleObj spid="_x0000_s20505" name="Picture" r:id="rId3" imgW="3614928" imgH="3038856" progId="Word.Picture.8">
                   <p:embed/>
                 </p:oleObj>
               </mc:Choice>
